--- a/welcome.pptx
+++ b/welcome.pptx
@@ -8,8 +8,8 @@
     <p:sldId id="256" r:id="rId2"/>
     <p:sldId id="261" r:id="rId3"/>
     <p:sldId id="257" r:id="rId4"/>
-    <p:sldId id="258" r:id="rId5"/>
-    <p:sldId id="262" r:id="rId6"/>
+    <p:sldId id="262" r:id="rId5"/>
+    <p:sldId id="258" r:id="rId6"/>
   </p:sldIdLst>
   <p:sldSz cx="12192000" cy="6858000"/>
   <p:notesSz cx="6858000" cy="9144000"/>
@@ -247,7 +247,7 @@
           <a:p>
             <a:fld id="{2499A86E-919C-1043-8454-C5644D8633CA}" type="datetimeFigureOut">
               <a:rPr lang="en-US" smtClean="0"/>
-              <a:t>4/22/17</a:t>
+              <a:t>9/25/17</a:t>
             </a:fld>
             <a:endParaRPr lang="en-US"/>
           </a:p>
@@ -417,7 +417,7 @@
           <a:p>
             <a:fld id="{2499A86E-919C-1043-8454-C5644D8633CA}" type="datetimeFigureOut">
               <a:rPr lang="en-US" smtClean="0"/>
-              <a:t>4/22/17</a:t>
+              <a:t>9/25/17</a:t>
             </a:fld>
             <a:endParaRPr lang="en-US"/>
           </a:p>
@@ -597,7 +597,7 @@
           <a:p>
             <a:fld id="{2499A86E-919C-1043-8454-C5644D8633CA}" type="datetimeFigureOut">
               <a:rPr lang="en-US" smtClean="0"/>
-              <a:t>4/22/17</a:t>
+              <a:t>9/25/17</a:t>
             </a:fld>
             <a:endParaRPr lang="en-US"/>
           </a:p>
@@ -767,7 +767,7 @@
           <a:p>
             <a:fld id="{2499A86E-919C-1043-8454-C5644D8633CA}" type="datetimeFigureOut">
               <a:rPr lang="en-US" smtClean="0"/>
-              <a:t>4/22/17</a:t>
+              <a:t>9/25/17</a:t>
             </a:fld>
             <a:endParaRPr lang="en-US"/>
           </a:p>
@@ -1013,7 +1013,7 @@
           <a:p>
             <a:fld id="{2499A86E-919C-1043-8454-C5644D8633CA}" type="datetimeFigureOut">
               <a:rPr lang="en-US" smtClean="0"/>
-              <a:t>4/22/17</a:t>
+              <a:t>9/25/17</a:t>
             </a:fld>
             <a:endParaRPr lang="en-US"/>
           </a:p>
@@ -1245,7 +1245,7 @@
           <a:p>
             <a:fld id="{2499A86E-919C-1043-8454-C5644D8633CA}" type="datetimeFigureOut">
               <a:rPr lang="en-US" smtClean="0"/>
-              <a:t>4/22/17</a:t>
+              <a:t>9/25/17</a:t>
             </a:fld>
             <a:endParaRPr lang="en-US"/>
           </a:p>
@@ -1612,7 +1612,7 @@
           <a:p>
             <a:fld id="{2499A86E-919C-1043-8454-C5644D8633CA}" type="datetimeFigureOut">
               <a:rPr lang="en-US" smtClean="0"/>
-              <a:t>4/22/17</a:t>
+              <a:t>9/25/17</a:t>
             </a:fld>
             <a:endParaRPr lang="en-US"/>
           </a:p>
@@ -1730,7 +1730,7 @@
           <a:p>
             <a:fld id="{2499A86E-919C-1043-8454-C5644D8633CA}" type="datetimeFigureOut">
               <a:rPr lang="en-US" smtClean="0"/>
-              <a:t>4/22/17</a:t>
+              <a:t>9/25/17</a:t>
             </a:fld>
             <a:endParaRPr lang="en-US"/>
           </a:p>
@@ -1825,7 +1825,7 @@
           <a:p>
             <a:fld id="{2499A86E-919C-1043-8454-C5644D8633CA}" type="datetimeFigureOut">
               <a:rPr lang="en-US" smtClean="0"/>
-              <a:t>4/22/17</a:t>
+              <a:t>9/25/17</a:t>
             </a:fld>
             <a:endParaRPr lang="en-US"/>
           </a:p>
@@ -2102,7 +2102,7 @@
           <a:p>
             <a:fld id="{2499A86E-919C-1043-8454-C5644D8633CA}" type="datetimeFigureOut">
               <a:rPr lang="en-US" smtClean="0"/>
-              <a:t>4/22/17</a:t>
+              <a:t>9/25/17</a:t>
             </a:fld>
             <a:endParaRPr lang="en-US"/>
           </a:p>
@@ -2355,7 +2355,7 @@
           <a:p>
             <a:fld id="{2499A86E-919C-1043-8454-C5644D8633CA}" type="datetimeFigureOut">
               <a:rPr lang="en-US" smtClean="0"/>
-              <a:t>4/22/17</a:t>
+              <a:t>9/25/17</a:t>
             </a:fld>
             <a:endParaRPr lang="en-US"/>
           </a:p>
@@ -2568,7 +2568,7 @@
           <a:p>
             <a:fld id="{2499A86E-919C-1043-8454-C5644D8633CA}" type="datetimeFigureOut">
               <a:rPr lang="en-US" smtClean="0"/>
-              <a:t>4/22/17</a:t>
+              <a:t>9/25/17</a:t>
             </a:fld>
             <a:endParaRPr lang="en-US"/>
           </a:p>
@@ -3283,8 +3283,8 @@
           <a:lstStyle/>
           <a:p>
             <a:r>
-              <a:rPr lang="en-US" dirty="0" err="1" smtClean="0"/>
-              <a:t>Stickies</a:t>
+              <a:rPr lang="en-US" dirty="0" smtClean="0"/>
+              <a:t>Materials</a:t>
             </a:r>
             <a:endParaRPr lang="en-US" dirty="0"/>
           </a:p>
@@ -3304,6 +3304,15 @@
         <p:txBody>
           <a:bodyPr/>
           <a:lstStyle/>
+          <a:p>
+            <a:pPr marL="0" indent="0" algn="ctr">
+              <a:buNone/>
+            </a:pPr>
+            <a:r>
+              <a:rPr lang="en-US" dirty="0" smtClean="0"/>
+              <a:t>All the materials we use this week will be located at: </a:t>
+            </a:r>
+          </a:p>
           <a:p>
             <a:pPr marL="0" indent="0" algn="ctr">
               <a:buNone/>
@@ -3315,30 +3324,32 @@
               <a:buNone/>
             </a:pPr>
             <a:r>
-              <a:rPr lang="en-US" dirty="0" smtClean="0"/>
-              <a:t>Yellow sticky: done!</a:t>
-            </a:r>
+              <a:rPr lang="en-US" dirty="0">
+                <a:hlinkClick r:id="rId2"/>
+              </a:rPr>
+              <a:t>http</a:t>
+            </a:r>
+            <a:r>
+              <a:rPr lang="en-US" dirty="0" smtClean="0">
+                <a:hlinkClick r:id="rId2"/>
+              </a:rPr>
+              <a:t>://2017-cicese-metagenomics.readthedocs.io/en/latest/</a:t>
+            </a:r>
+            <a:endParaRPr lang="en-US" dirty="0" smtClean="0"/>
           </a:p>
           <a:p>
             <a:pPr marL="0" indent="0" algn="ctr">
               <a:buNone/>
             </a:pPr>
-            <a:r>
-              <a:rPr lang="en-US" dirty="0" smtClean="0"/>
-              <a:t>Red sticky: need help!</a:t>
-            </a:r>
+            <a:endParaRPr lang="en-US" dirty="0"/>
           </a:p>
           <a:p>
             <a:pPr marL="0" indent="0" algn="ctr">
               <a:buNone/>
             </a:pPr>
             <a:r>
-              <a:rPr lang="en-US" dirty="0" smtClean="0"/>
-              <a:t>No sticky: work in progress</a:t>
-            </a:r>
-            <a:r>
-              <a:rPr lang="is-IS" dirty="0" smtClean="0"/>
-              <a:t>…</a:t>
+              <a:rPr lang="en-US" smtClean="0"/>
+              <a:t>These materials will be available after the course!</a:t>
             </a:r>
             <a:endParaRPr lang="en-US" dirty="0"/>
           </a:p>
@@ -3347,20 +3358,13 @@
     </p:spTree>
     <p:extLst>
       <p:ext uri="{BB962C8B-B14F-4D97-AF65-F5344CB8AC3E}">
-        <p14:creationId xmlns:p14="http://schemas.microsoft.com/office/powerpoint/2010/main" val="1542393483"/>
+        <p14:creationId xmlns:p14="http://schemas.microsoft.com/office/powerpoint/2010/main" val="1469521071"/>
       </p:ext>
     </p:extLst>
   </p:cSld>
   <p:clrMapOvr>
     <a:masterClrMapping/>
   </p:clrMapOvr>
-  <p:timing>
-    <p:tnLst>
-      <p:par>
-        <p:cTn id="1" dur="indefinite" restart="never" nodeType="tmRoot"/>
-      </p:par>
-    </p:tnLst>
-  </p:timing>
 </p:sld>
 </file>
 
@@ -3397,89 +3401,62 @@
           <a:lstStyle/>
           <a:p>
             <a:r>
+              <a:rPr lang="en-US" dirty="0" err="1" smtClean="0"/>
+              <a:t>Stickies</a:t>
+            </a:r>
+            <a:endParaRPr lang="en-US" dirty="0"/>
+          </a:p>
+        </p:txBody>
+      </p:sp>
+      <p:sp>
+        <p:nvSpPr>
+          <p:cNvPr id="3" name="Content Placeholder 2"/>
+          <p:cNvSpPr>
+            <a:spLocks noGrp="1"/>
+          </p:cNvSpPr>
+          <p:nvPr>
+            <p:ph idx="1"/>
+          </p:nvPr>
+        </p:nvSpPr>
+        <p:spPr/>
+        <p:txBody>
+          <a:bodyPr/>
+          <a:lstStyle/>
+          <a:p>
+            <a:pPr marL="0" indent="0" algn="ctr">
+              <a:buNone/>
+            </a:pPr>
+            <a:endParaRPr lang="en-US" dirty="0" smtClean="0"/>
+          </a:p>
+          <a:p>
+            <a:pPr marL="0" indent="0" algn="ctr">
+              <a:buNone/>
+            </a:pPr>
+            <a:r>
               <a:rPr lang="en-US" dirty="0" smtClean="0"/>
-              <a:t>XSEDE!</a:t>
-            </a:r>
-            <a:endParaRPr lang="en-US" dirty="0"/>
-          </a:p>
-        </p:txBody>
-      </p:sp>
-      <p:sp>
-        <p:nvSpPr>
-          <p:cNvPr id="3" name="Content Placeholder 2"/>
-          <p:cNvSpPr>
-            <a:spLocks noGrp="1"/>
-          </p:cNvSpPr>
-          <p:nvPr>
-            <p:ph idx="1"/>
-          </p:nvPr>
-        </p:nvSpPr>
-        <p:spPr/>
-        <p:txBody>
-          <a:bodyPr>
-            <a:normAutofit fontScale="85000" lnSpcReduction="10000"/>
-          </a:bodyPr>
-          <a:lstStyle/>
-          <a:p>
+              <a:t>Yellow sticky: done!</a:t>
+            </a:r>
+          </a:p>
+          <a:p>
+            <a:pPr marL="0" indent="0" algn="ctr">
+              <a:buNone/>
+            </a:pPr>
             <a:r>
               <a:rPr lang="en-US" dirty="0" smtClean="0"/>
-              <a:t>We will be using computers on the XSEDE national cyberinfrastructure, funded by NSF!</a:t>
-            </a:r>
-          </a:p>
-          <a:p>
-            <a:endParaRPr lang="en-US" dirty="0"/>
-          </a:p>
-          <a:p>
+              <a:t>Red sticky: need help!</a:t>
+            </a:r>
+          </a:p>
+          <a:p>
+            <a:pPr marL="0" indent="0" algn="ctr">
+              <a:buNone/>
+            </a:pPr>
             <a:r>
               <a:rPr lang="en-US" dirty="0" smtClean="0"/>
-              <a:t>Jetstream is </a:t>
-            </a:r>
-            <a:r>
-              <a:rPr lang="en-US" i="1" dirty="0" smtClean="0"/>
-              <a:t>one</a:t>
-            </a:r>
-            <a:r>
-              <a:rPr lang="en-US" dirty="0" smtClean="0"/>
-              <a:t> of the XSEDE “products”.</a:t>
-            </a:r>
-          </a:p>
-          <a:p>
-            <a:endParaRPr lang="en-US" dirty="0"/>
-          </a:p>
-          <a:p>
-            <a:r>
-              <a:rPr lang="en-US" dirty="0" smtClean="0"/>
-              <a:t>It’s somewhat similar to AWS</a:t>
-            </a:r>
-            <a:r>
-              <a:rPr lang="mr-IN" dirty="0" smtClean="0"/>
+              <a:t>No sticky: work in progress</a:t>
+            </a:r>
+            <a:r>
+              <a:rPr lang="is-IS" dirty="0" smtClean="0"/>
               <a:t>…</a:t>
-            </a:r>
-            <a:endParaRPr lang="en-US" dirty="0" smtClean="0"/>
-          </a:p>
-          <a:p>
-            <a:endParaRPr lang="en-US" dirty="0"/>
-          </a:p>
-          <a:p>
-            <a:r>
-              <a:rPr lang="mr-IN" dirty="0" smtClean="0"/>
-              <a:t>…</a:t>
-            </a:r>
-            <a:r>
-              <a:rPr lang="en-US" dirty="0" smtClean="0"/>
-              <a:t>but you can apply for free allocations of compute time!</a:t>
-            </a:r>
-          </a:p>
-          <a:p>
-            <a:endParaRPr lang="en-US" dirty="0"/>
-          </a:p>
-          <a:p>
-            <a:pPr marL="0" indent="0" algn="ctr">
-              <a:buNone/>
-            </a:pPr>
-            <a:r>
-              <a:rPr lang="en-US" dirty="0" smtClean="0"/>
-              <a:t>We are happy to help you sign up for XSEDE and get some ”free” trial time for your use after this workshop. Also, we can help you write XSEDE allocation requests.</a:t>
             </a:r>
             <a:endParaRPr lang="en-US" dirty="0"/>
           </a:p>
@@ -3488,13 +3465,20 @@
     </p:spTree>
     <p:extLst>
       <p:ext uri="{BB962C8B-B14F-4D97-AF65-F5344CB8AC3E}">
-        <p14:creationId xmlns:p14="http://schemas.microsoft.com/office/powerpoint/2010/main" val="1285188879"/>
+        <p14:creationId xmlns:p14="http://schemas.microsoft.com/office/powerpoint/2010/main" val="1542393483"/>
       </p:ext>
     </p:extLst>
   </p:cSld>
   <p:clrMapOvr>
     <a:masterClrMapping/>
   </p:clrMapOvr>
+  <p:timing>
+    <p:tnLst>
+      <p:par>
+        <p:cTn id="1" dur="indefinite" restart="never" nodeType="tmRoot"/>
+      </p:par>
+    </p:tnLst>
+  </p:timing>
 </p:sld>
 </file>
 
